--- a/4-PTKA.pptx
+++ b/4-PTKA.pptx
@@ -12895,31 +12895,73 @@
               <a:buNone/>
             </a:pPr>
             <a:r>
-              <a:rPr lang="en-US" sz="2000" dirty="0"/>
+              <a:rPr lang="en-US" sz="2000" dirty="0">
+                <a:solidFill>
+                  <a:schemeClr val="tx1">
+                    <a:lumMod val="75000"/>
+                  </a:schemeClr>
+                </a:solidFill>
+              </a:rPr>
               <a:t>Repository GitHub </a:t>
             </a:r>
             <a:r>
-              <a:rPr lang="en-US" sz="2000" dirty="0" err="1"/>
+              <a:rPr lang="en-US" sz="2000" dirty="0" err="1">
+                <a:solidFill>
+                  <a:schemeClr val="tx1">
+                    <a:lumMod val="75000"/>
+                  </a:schemeClr>
+                </a:solidFill>
+              </a:rPr>
               <a:t>dapat</a:t>
             </a:r>
             <a:r>
-              <a:rPr lang="en-US" sz="2000" dirty="0"/>
-              <a:t> </a:t>
-            </a:r>
-            <a:r>
-              <a:rPr lang="en-US" sz="2000" dirty="0" err="1"/>
+              <a:rPr lang="en-US" sz="2000" dirty="0">
+                <a:solidFill>
+                  <a:schemeClr val="tx1">
+                    <a:lumMod val="75000"/>
+                  </a:schemeClr>
+                </a:solidFill>
+              </a:rPr>
+              <a:t> </a:t>
+            </a:r>
+            <a:r>
+              <a:rPr lang="en-US" sz="2000" dirty="0" err="1">
+                <a:solidFill>
+                  <a:schemeClr val="tx1">
+                    <a:lumMod val="75000"/>
+                  </a:schemeClr>
+                </a:solidFill>
+              </a:rPr>
               <a:t>diakses</a:t>
             </a:r>
             <a:r>
-              <a:rPr lang="en-US" sz="2000" dirty="0"/>
-              <a:t> </a:t>
-            </a:r>
-            <a:r>
-              <a:rPr lang="en-US" sz="2000" dirty="0" err="1"/>
+              <a:rPr lang="en-US" sz="2000" dirty="0">
+                <a:solidFill>
+                  <a:schemeClr val="tx1">
+                    <a:lumMod val="75000"/>
+                  </a:schemeClr>
+                </a:solidFill>
+              </a:rPr>
+              <a:t> </a:t>
+            </a:r>
+            <a:r>
+              <a:rPr lang="en-US" sz="2000" dirty="0" err="1">
+                <a:solidFill>
+                  <a:schemeClr val="tx1">
+                    <a:lumMod val="75000"/>
+                  </a:schemeClr>
+                </a:solidFill>
+              </a:rPr>
               <a:t>dengan</a:t>
             </a:r>
             <a:r>
-              <a:rPr lang="en-US" sz="2000" dirty="0"/>
+              <a:rPr lang="en-US" sz="2000" dirty="0">
+                <a:solidFill>
+                  <a:schemeClr val="tx1">
+                    <a:lumMod val="75000"/>
+                  </a:schemeClr>
+                </a:solidFill>
+              </a:rPr>
               <a:t> link:</a:t>
             </a:r>
           </a:p>
@@ -12934,7 +12976,7 @@
                 </a:solidFill>
                 <a:hlinkClick r:id="rId2"/>
               </a:rPr>
-              <a:t>https://github.com/aad211/Proyek-Akhir/</a:t>
+              <a:t>https://github.com/aad211/Proyek-Akhir/tree/master/Pijuk(Pinjam%20Yuk)</a:t>
             </a:r>
             <a:endParaRPr lang="en-US" sz="3200" dirty="0">
               <a:solidFill>
